--- a/presentation.pptx
+++ b/presentation.pptx
@@ -1708,7 +1708,7 @@
           </a:bodyPr>
           <a:p>
             <a:pPr algn="r"/>
-            <a:fld id="{5BB44976-6976-45B1-90EE-770D016F6C2D}" type="slidenum">
+            <a:fld id="{EB25A08A-D18E-4916-B890-6BA6C870DAD9}" type="slidenum">
               <a:rPr b="0" lang="en-GB" sz="1400" spc="-1" strike="noStrike">
                 <a:latin typeface="Times New Roman"/>
               </a:rPr>
@@ -1822,7 +1822,7 @@
         </p:spPr>
         <p:txBody>
           <a:bodyPr lIns="0" rIns="0" tIns="0" bIns="0">
-            <a:normAutofit/>
+            <a:normAutofit fontScale="66000"/>
           </a:bodyPr>
           <a:p>
             <a:pPr marL="432000" indent="-324000">
